--- a/ass3/g08_ppt.pptx
+++ b/ass3/g08_ppt.pptx
@@ -434,7 +434,7 @@
             <a:round/>
             <a:extLst>
               <a:ext uri="{C807C97D-BFC1-408E-A445-0C87EB9F89A2}">
-                <ask:lineSketchStyleProps xmlns="" xmlns:ask="http://schemas.microsoft.com/office/drawing/2018/sketchyshapes" sd="1219033472">
+                <ask:lineSketchStyleProps xmlns:ask="http://schemas.microsoft.com/office/drawing/2018/sketchyshapes" xmlns="" sd="1219033472">
                   <a:prstGeom prst="rect">
                     <a:avLst/>
                   </a:prstGeom>
@@ -1888,7 +1888,7 @@
             <a:round/>
             <a:extLst>
               <a:ext uri="{C807C97D-BFC1-408E-A445-0C87EB9F89A2}">
-                <ask:lineSketchStyleProps xmlns="" xmlns:ask="http://schemas.microsoft.com/office/drawing/2018/sketchyshapes" sd="1219033472">
+                <ask:lineSketchStyleProps xmlns:ask="http://schemas.microsoft.com/office/drawing/2018/sketchyshapes" xmlns="" sd="1219033472">
                   <a:prstGeom prst="rect">
                     <a:avLst/>
                   </a:prstGeom>
@@ -2504,7 +2504,7 @@
             <a:round/>
             <a:extLst>
               <a:ext uri="{C807C97D-BFC1-408E-A445-0C87EB9F89A2}">
-                <ask:lineSketchStyleProps xmlns="" xmlns:ask="http://schemas.microsoft.com/office/drawing/2018/sketchyshapes" sd="1219033472">
+                <ask:lineSketchStyleProps xmlns:ask="http://schemas.microsoft.com/office/drawing/2018/sketchyshapes" xmlns="" sd="1219033472">
                   <a:prstGeom prst="rect">
                     <a:avLst/>
                   </a:prstGeom>
@@ -3402,7 +3402,7 @@
             <a:round/>
             <a:extLst>
               <a:ext uri="{C807C97D-BFC1-408E-A445-0C87EB9F89A2}">
-                <ask:lineSketchStyleProps xmlns="" xmlns:ask="http://schemas.microsoft.com/office/drawing/2018/sketchyshapes" sd="1219033472">
+                <ask:lineSketchStyleProps xmlns:ask="http://schemas.microsoft.com/office/drawing/2018/sketchyshapes" xmlns="" sd="1219033472">
                   <a:prstGeom prst="rect">
                     <a:avLst/>
                   </a:prstGeom>
@@ -4450,7 +4450,7 @@
             <a:round/>
             <a:extLst>
               <a:ext uri="{C807C97D-BFC1-408E-A445-0C87EB9F89A2}">
-                <ask:lineSketchStyleProps xmlns="" xmlns:ask="http://schemas.microsoft.com/office/drawing/2018/sketchyshapes" sd="1219033472">
+                <ask:lineSketchStyleProps xmlns:ask="http://schemas.microsoft.com/office/drawing/2018/sketchyshapes" xmlns="" sd="1219033472">
                   <a:prstGeom prst="rect">
                     <a:avLst/>
                   </a:prstGeom>
@@ -4939,7 +4939,7 @@
             <a:round/>
             <a:extLst>
               <a:ext uri="{C807C97D-BFC1-408E-A445-0C87EB9F89A2}">
-                <ask:lineSketchStyleProps xmlns="" xmlns:ask="http://schemas.microsoft.com/office/drawing/2018/sketchyshapes" sd="1219033472">
+                <ask:lineSketchStyleProps xmlns:ask="http://schemas.microsoft.com/office/drawing/2018/sketchyshapes" xmlns="" sd="1219033472">
                   <a:prstGeom prst="rect">
                     <a:avLst/>
                   </a:prstGeom>
@@ -5705,7 +5705,7 @@
             <a:round/>
             <a:extLst>
               <a:ext uri="{C807C97D-BFC1-408E-A445-0C87EB9F89A2}">
-                <ask:lineSketchStyleProps xmlns="" xmlns:ask="http://schemas.microsoft.com/office/drawing/2018/sketchyshapes" sd="1219033472">
+                <ask:lineSketchStyleProps xmlns:ask="http://schemas.microsoft.com/office/drawing/2018/sketchyshapes" xmlns="" sd="1219033472">
                   <a:prstGeom prst="rect">
                     <a:avLst/>
                   </a:prstGeom>
@@ -6333,7 +6333,7 @@
             <a:round/>
             <a:extLst>
               <a:ext uri="{C807C97D-BFC1-408E-A445-0C87EB9F89A2}">
-                <ask:lineSketchStyleProps xmlns="" xmlns:ask="http://schemas.microsoft.com/office/drawing/2018/sketchyshapes" sd="1219033472">
+                <ask:lineSketchStyleProps xmlns:ask="http://schemas.microsoft.com/office/drawing/2018/sketchyshapes" xmlns="" sd="1219033472">
                   <a:prstGeom prst="rect">
                     <a:avLst/>
                   </a:prstGeom>
@@ -7665,7 +7665,7 @@
             <a:round/>
             <a:extLst>
               <a:ext uri="{C807C97D-BFC1-408E-A445-0C87EB9F89A2}">
-                <ask:lineSketchStyleProps xmlns="" xmlns:ask="http://schemas.microsoft.com/office/drawing/2018/sketchyshapes" sd="1219033472">
+                <ask:lineSketchStyleProps xmlns:ask="http://schemas.microsoft.com/office/drawing/2018/sketchyshapes" xmlns="" sd="1219033472">
                   <a:prstGeom prst="rect">
                     <a:avLst/>
                   </a:prstGeom>
@@ -9624,21 +9624,35 @@
                 <a:latin typeface="Arial" panose="020B0604020202020204" pitchFamily="34" charset="0"/>
                 <a:cs typeface="Arial" panose="020B0604020202020204" pitchFamily="34" charset="0"/>
               </a:rPr>
-              <a:t> the average cost of a successful search is about the same as the worst case where an item is not found in the array, both being roughly equal to O(log3 N). So, the average and the worst case cost of binary search, in big-O notation, is O(log3 N), the best case is when in the first attempt x is </a:t>
-            </a:r>
-            <a:r>
-              <a:rPr lang="en-US" sz="2000" dirty="0" err="1">
+              <a:t> the average cost of a successful search is about the same as the worst case where an item is not found in the array, both being roughly equal to O(log</a:t>
+            </a:r>
+            <a:r>
+              <a:rPr lang="en-US" baseline="-25000" dirty="0">
                 <a:latin typeface="Arial" panose="020B0604020202020204" pitchFamily="34" charset="0"/>
                 <a:cs typeface="Arial" panose="020B0604020202020204" pitchFamily="34" charset="0"/>
               </a:rPr>
-              <a:t>found,so</a:t>
+              <a:t>3</a:t>
             </a:r>
             <a:r>
               <a:rPr lang="en-US" sz="2000" dirty="0">
                 <a:latin typeface="Arial" panose="020B0604020202020204" pitchFamily="34" charset="0"/>
                 <a:cs typeface="Arial" panose="020B0604020202020204" pitchFamily="34" charset="0"/>
               </a:rPr>
-              <a:t> best case time complexity is O(1). </a:t>
+              <a:t> N). So, the average and the worst case cost of binary search, in big-O notation, is O(log</a:t>
+            </a:r>
+            <a:r>
+              <a:rPr lang="en-US" baseline="-25000" dirty="0">
+                <a:latin typeface="Arial" panose="020B0604020202020204" pitchFamily="34" charset="0"/>
+                <a:cs typeface="Arial" panose="020B0604020202020204" pitchFamily="34" charset="0"/>
+              </a:rPr>
+              <a:t>3</a:t>
+            </a:r>
+            <a:r>
+              <a:rPr lang="en-US" sz="2000" dirty="0">
+                <a:latin typeface="Arial" panose="020B0604020202020204" pitchFamily="34" charset="0"/>
+                <a:cs typeface="Arial" panose="020B0604020202020204" pitchFamily="34" charset="0"/>
+              </a:rPr>
+              <a:t> N), the best case is when in the first attempt x is found, so best case time complexity is O(1). </a:t>
             </a:r>
             <a:endParaRPr lang="en-IN" sz="2000" dirty="0">
               <a:effectLst/>
@@ -9694,7 +9708,7 @@
           <p:nvPr>
             <p:extLst>
               <p:ext uri="{D42A27DB-BD31-4B8C-83A1-F6EECF244321}">
-                <p14:modId xmlns:p14="http://schemas.microsoft.com/office/powerpoint/2010/main" val="4111952826"/>
+                <p14:modId xmlns:p14="http://schemas.microsoft.com/office/powerpoint/2010/main" val="2251219543"/>
               </p:ext>
             </p:extLst>
           </p:nvPr>
@@ -9868,7 +9882,23 @@
                           <a:latin typeface="Arial" panose="020B0604020202020204" pitchFamily="34" charset="0"/>
                           <a:cs typeface="Arial" panose="020B0604020202020204" pitchFamily="34" charset="0"/>
                         </a:rPr>
-                        <a:t>N*log3(N)</a:t>
+                        <a:t>N*log</a:t>
+                      </a:r>
+                      <a:r>
+                        <a:rPr lang="en-US" sz="2000" baseline="-25000" dirty="0">
+                          <a:effectLst/>
+                          <a:latin typeface="Arial" panose="020B0604020202020204" pitchFamily="34" charset="0"/>
+                          <a:cs typeface="Arial" panose="020B0604020202020204" pitchFamily="34" charset="0"/>
+                        </a:rPr>
+                        <a:t>3</a:t>
+                      </a:r>
+                      <a:r>
+                        <a:rPr lang="en-US" sz="1400" dirty="0">
+                          <a:effectLst/>
+                          <a:latin typeface="Arial" panose="020B0604020202020204" pitchFamily="34" charset="0"/>
+                          <a:cs typeface="Arial" panose="020B0604020202020204" pitchFamily="34" charset="0"/>
+                        </a:rPr>
+                        <a:t>(N)</a:t>
                       </a:r>
                       <a:endParaRPr lang="en-IN" sz="1400" dirty="0">
                         <a:effectLst/>
@@ -9896,7 +9926,23 @@
                           <a:latin typeface="Arial" panose="020B0604020202020204" pitchFamily="34" charset="0"/>
                           <a:cs typeface="Arial" panose="020B0604020202020204" pitchFamily="34" charset="0"/>
                         </a:rPr>
-                        <a:t>N*log3(N)</a:t>
+                        <a:t>N*log</a:t>
+                      </a:r>
+                      <a:r>
+                        <a:rPr lang="en-US" sz="2000" baseline="-25000" dirty="0">
+                          <a:effectLst/>
+                          <a:latin typeface="Arial" panose="020B0604020202020204" pitchFamily="34" charset="0"/>
+                          <a:cs typeface="Arial" panose="020B0604020202020204" pitchFamily="34" charset="0"/>
+                        </a:rPr>
+                        <a:t>3</a:t>
+                      </a:r>
+                      <a:r>
+                        <a:rPr lang="en-US" sz="1400" dirty="0">
+                          <a:effectLst/>
+                          <a:latin typeface="Arial" panose="020B0604020202020204" pitchFamily="34" charset="0"/>
+                          <a:cs typeface="Arial" panose="020B0604020202020204" pitchFamily="34" charset="0"/>
+                        </a:rPr>
+                        <a:t>(N)</a:t>
                       </a:r>
                       <a:endParaRPr lang="en-IN" sz="1400" dirty="0">
                         <a:effectLst/>
